--- a/Arquivos/Apresentação.pptx
+++ b/Arquivos/Apresentação.pptx
@@ -109,6 +109,11 @@
       </a:defRPr>
     </a:lvl9pPr>
   </p:defaultTextStyle>
+  <p:extLst>
+    <p:ext uri="{EFAFB233-063F-42B5-8137-9DF3F51BA10A}">
+      <p15:sldGuideLst xmlns:p15="http://schemas.microsoft.com/office/powerpoint/2012/main"/>
+    </p:ext>
+  </p:extLst>
 </p:presentation>
 </file>
 
@@ -5505,7 +5510,12 @@
             <p:ph type="title"/>
           </p:nvPr>
         </p:nvSpPr>
-        <p:spPr/>
+        <p:spPr>
+          <a:xfrm>
+            <a:off x="684213" y="0"/>
+            <a:ext cx="8534400" cy="1507067"/>
+          </a:xfrm>
+        </p:spPr>
         <p:txBody>
           <a:bodyPr/>
           <a:lstStyle/>
@@ -5519,7 +5529,7 @@
       </p:sp>
       <p:pic>
         <p:nvPicPr>
-          <p:cNvPr id="5" name="Espaço Reservado para Conteúdo 4"/>
+          <p:cNvPr id="4" name="Espaço Reservado para Conteúdo 3"/>
           <p:cNvPicPr>
             <a:picLocks noGrp="1" noChangeAspect="1"/>
           </p:cNvPicPr>
@@ -5528,15 +5538,21 @@
           </p:nvPr>
         </p:nvPicPr>
         <p:blipFill>
-          <a:blip r:embed="rId2"/>
+          <a:blip r:embed="rId2">
+            <a:extLst>
+              <a:ext uri="{28A0092B-C50C-407E-A947-70E740481C1C}">
+                <a14:useLocalDpi xmlns:a14="http://schemas.microsoft.com/office/drawing/2010/main" val="0"/>
+              </a:ext>
+            </a:extLst>
+          </a:blip>
           <a:stretch>
             <a:fillRect/>
           </a:stretch>
         </p:blipFill>
         <p:spPr>
           <a:xfrm>
-            <a:off x="3290729" y="685800"/>
-            <a:ext cx="3321367" cy="3614738"/>
+            <a:off x="684213" y="2317172"/>
+            <a:ext cx="7335250" cy="3614738"/>
           </a:xfrm>
         </p:spPr>
       </p:pic>
@@ -5580,7 +5596,12 @@
             <p:ph type="title"/>
           </p:nvPr>
         </p:nvSpPr>
-        <p:spPr/>
+        <p:spPr>
+          <a:xfrm>
+            <a:off x="725776" y="0"/>
+            <a:ext cx="8534400" cy="1507067"/>
+          </a:xfrm>
+        </p:spPr>
         <p:txBody>
           <a:bodyPr/>
           <a:lstStyle/>
@@ -5594,7 +5615,7 @@
       </p:sp>
       <p:pic>
         <p:nvPicPr>
-          <p:cNvPr id="5" name="Espaço Reservado para Conteúdo 4"/>
+          <p:cNvPr id="4" name="Espaço Reservado para Conteúdo 3"/>
           <p:cNvPicPr>
             <a:picLocks noGrp="1" noChangeAspect="1"/>
           </p:cNvPicPr>
@@ -5603,15 +5624,21 @@
           </p:nvPr>
         </p:nvPicPr>
         <p:blipFill>
-          <a:blip r:embed="rId2"/>
+          <a:blip r:embed="rId2">
+            <a:extLst>
+              <a:ext uri="{28A0092B-C50C-407E-A947-70E740481C1C}">
+                <a14:useLocalDpi xmlns:a14="http://schemas.microsoft.com/office/drawing/2010/main" val="0"/>
+              </a:ext>
+            </a:extLst>
+          </a:blip>
           <a:stretch>
             <a:fillRect/>
           </a:stretch>
         </p:blipFill>
         <p:spPr>
           <a:xfrm>
-            <a:off x="1526697" y="2221668"/>
-            <a:ext cx="6849431" cy="543001"/>
+            <a:off x="725776" y="3127447"/>
+            <a:ext cx="3867150" cy="581025"/>
           </a:xfrm>
         </p:spPr>
       </p:pic>
@@ -5655,7 +5682,12 @@
             <p:ph type="title"/>
           </p:nvPr>
         </p:nvSpPr>
-        <p:spPr/>
+        <p:spPr>
+          <a:xfrm>
+            <a:off x="840075" y="0"/>
+            <a:ext cx="8534400" cy="1507067"/>
+          </a:xfrm>
+        </p:spPr>
         <p:txBody>
           <a:bodyPr/>
           <a:lstStyle/>
@@ -5685,7 +5717,7 @@
         </p:blipFill>
         <p:spPr>
           <a:xfrm>
-            <a:off x="3803650" y="869156"/>
+            <a:off x="840075" y="2116065"/>
             <a:ext cx="2295525" cy="3248025"/>
           </a:xfrm>
         </p:spPr>
@@ -5730,7 +5762,12 @@
             <p:ph type="title"/>
           </p:nvPr>
         </p:nvSpPr>
-        <p:spPr/>
+        <p:spPr>
+          <a:xfrm>
+            <a:off x="871249" y="0"/>
+            <a:ext cx="8534400" cy="1507067"/>
+          </a:xfrm>
+        </p:spPr>
         <p:txBody>
           <a:bodyPr/>
           <a:lstStyle/>
@@ -5760,7 +5797,7 @@
         </p:blipFill>
         <p:spPr>
           <a:xfrm>
-            <a:off x="684213" y="910842"/>
+            <a:off x="871249" y="1856415"/>
             <a:ext cx="8534400" cy="3164654"/>
           </a:xfrm>
         </p:spPr>
